--- a/javascript/1주차 자료/1주차.pptx
+++ b/javascript/1주차 자료/1주차.pptx
@@ -17,6 +17,8 @@
     <p:sldId id="269" r:id="rId11"/>
     <p:sldId id="270" r:id="rId12"/>
     <p:sldId id="271" r:id="rId13"/>
+    <p:sldId id="272" r:id="rId14"/>
+    <p:sldId id="273" r:id="rId15"/>
   </p:sldIdLst>
   <p:sldSz cx="12192000" cy="6858000"/>
   <p:notesSz cx="6858000" cy="9144000"/>
@@ -132,6 +134,8 @@
             <p14:sldId id="269"/>
             <p14:sldId id="270"/>
             <p14:sldId id="271"/>
+            <p14:sldId id="272"/>
+            <p14:sldId id="273"/>
           </p14:sldIdLst>
         </p14:section>
       </p14:sectionLst>
@@ -274,7 +278,7 @@
           <a:p>
             <a:fld id="{85418FE3-18A8-41B3-993C-7D5C860FC228}" type="datetimeFigureOut">
               <a:rPr lang="ko-KR" altLang="en-US" smtClean="0"/>
-              <a:t>2021-01-29</a:t>
+              <a:t>2021-01-30</a:t>
             </a:fld>
             <a:endParaRPr lang="ko-KR" altLang="en-US"/>
           </a:p>
@@ -444,7 +448,7 @@
           <a:p>
             <a:fld id="{85418FE3-18A8-41B3-993C-7D5C860FC228}" type="datetimeFigureOut">
               <a:rPr lang="ko-KR" altLang="en-US" smtClean="0"/>
-              <a:t>2021-01-29</a:t>
+              <a:t>2021-01-30</a:t>
             </a:fld>
             <a:endParaRPr lang="ko-KR" altLang="en-US"/>
           </a:p>
@@ -624,7 +628,7 @@
           <a:p>
             <a:fld id="{85418FE3-18A8-41B3-993C-7D5C860FC228}" type="datetimeFigureOut">
               <a:rPr lang="ko-KR" altLang="en-US" smtClean="0"/>
-              <a:t>2021-01-29</a:t>
+              <a:t>2021-01-30</a:t>
             </a:fld>
             <a:endParaRPr lang="ko-KR" altLang="en-US"/>
           </a:p>
@@ -794,7 +798,7 @@
           <a:p>
             <a:fld id="{85418FE3-18A8-41B3-993C-7D5C860FC228}" type="datetimeFigureOut">
               <a:rPr lang="ko-KR" altLang="en-US" smtClean="0"/>
-              <a:t>2021-01-29</a:t>
+              <a:t>2021-01-30</a:t>
             </a:fld>
             <a:endParaRPr lang="ko-KR" altLang="en-US"/>
           </a:p>
@@ -1040,7 +1044,7 @@
           <a:p>
             <a:fld id="{85418FE3-18A8-41B3-993C-7D5C860FC228}" type="datetimeFigureOut">
               <a:rPr lang="ko-KR" altLang="en-US" smtClean="0"/>
-              <a:t>2021-01-29</a:t>
+              <a:t>2021-01-30</a:t>
             </a:fld>
             <a:endParaRPr lang="ko-KR" altLang="en-US"/>
           </a:p>
@@ -1272,7 +1276,7 @@
           <a:p>
             <a:fld id="{85418FE3-18A8-41B3-993C-7D5C860FC228}" type="datetimeFigureOut">
               <a:rPr lang="ko-KR" altLang="en-US" smtClean="0"/>
-              <a:t>2021-01-29</a:t>
+              <a:t>2021-01-30</a:t>
             </a:fld>
             <a:endParaRPr lang="ko-KR" altLang="en-US"/>
           </a:p>
@@ -1639,7 +1643,7 @@
           <a:p>
             <a:fld id="{85418FE3-18A8-41B3-993C-7D5C860FC228}" type="datetimeFigureOut">
               <a:rPr lang="ko-KR" altLang="en-US" smtClean="0"/>
-              <a:t>2021-01-29</a:t>
+              <a:t>2021-01-30</a:t>
             </a:fld>
             <a:endParaRPr lang="ko-KR" altLang="en-US"/>
           </a:p>
@@ -1757,7 +1761,7 @@
           <a:p>
             <a:fld id="{85418FE3-18A8-41B3-993C-7D5C860FC228}" type="datetimeFigureOut">
               <a:rPr lang="ko-KR" altLang="en-US" smtClean="0"/>
-              <a:t>2021-01-29</a:t>
+              <a:t>2021-01-30</a:t>
             </a:fld>
             <a:endParaRPr lang="ko-KR" altLang="en-US"/>
           </a:p>
@@ -1852,7 +1856,7 @@
           <a:p>
             <a:fld id="{85418FE3-18A8-41B3-993C-7D5C860FC228}" type="datetimeFigureOut">
               <a:rPr lang="ko-KR" altLang="en-US" smtClean="0"/>
-              <a:t>2021-01-29</a:t>
+              <a:t>2021-01-30</a:t>
             </a:fld>
             <a:endParaRPr lang="ko-KR" altLang="en-US"/>
           </a:p>
@@ -2129,7 +2133,7 @@
           <a:p>
             <a:fld id="{85418FE3-18A8-41B3-993C-7D5C860FC228}" type="datetimeFigureOut">
               <a:rPr lang="ko-KR" altLang="en-US" smtClean="0"/>
-              <a:t>2021-01-29</a:t>
+              <a:t>2021-01-30</a:t>
             </a:fld>
             <a:endParaRPr lang="ko-KR" altLang="en-US"/>
           </a:p>
@@ -2382,7 +2386,7 @@
           <a:p>
             <a:fld id="{85418FE3-18A8-41B3-993C-7D5C860FC228}" type="datetimeFigureOut">
               <a:rPr lang="ko-KR" altLang="en-US" smtClean="0"/>
-              <a:t>2021-01-29</a:t>
+              <a:t>2021-01-30</a:t>
             </a:fld>
             <a:endParaRPr lang="ko-KR" altLang="en-US"/>
           </a:p>
@@ -2595,7 +2599,7 @@
           <a:p>
             <a:fld id="{85418FE3-18A8-41B3-993C-7D5C860FC228}" type="datetimeFigureOut">
               <a:rPr lang="ko-KR" altLang="en-US" smtClean="0"/>
-              <a:t>2021-01-29</a:t>
+              <a:t>2021-01-30</a:t>
             </a:fld>
             <a:endParaRPr lang="ko-KR" altLang="en-US"/>
           </a:p>
@@ -4006,69 +4010,37 @@
             </a:r>
             <a:r>
               <a:rPr lang="ko-KR" altLang="en-US" sz="1600" dirty="0" smtClean="0"/>
-              <a:t> </a:t>
+              <a:t> 위임</a:t>
+            </a:r>
+            <a:r>
+              <a:rPr lang="en-US" altLang="ko-KR" sz="1600" dirty="0" smtClean="0"/>
+              <a:t>(Prototype Delegation) </a:t>
             </a:r>
             <a:r>
               <a:rPr lang="ko-KR" altLang="en-US" sz="1600" dirty="0" smtClean="0"/>
-              <a:t>위임</a:t>
-            </a:r>
-            <a:r>
-              <a:rPr lang="en-US" altLang="ko-KR" sz="1600" dirty="0" smtClean="0"/>
-              <a:t>(Prototype Delegation) </a:t>
-            </a:r>
+              <a:t>덕분에 모든 원시 값들이 메서드들을 같이 쓸 수 있다</a:t>
+            </a:r>
+            <a:r>
+              <a:rPr lang="en-US" altLang="ko-KR" sz="1600" dirty="0" smtClean="0"/>
+              <a:t>.</a:t>
+            </a:r>
+          </a:p>
+          <a:p>
+            <a:pPr lvl="1"/>
             <a:r>
               <a:rPr lang="ko-KR" altLang="en-US" sz="1600" dirty="0" smtClean="0"/>
-              <a:t>덕분에 모든 </a:t>
-            </a:r>
+              <a:t>각 생성자의 프로토타입마다 자신의 타입에 적합한 기능이 구현되어 있다</a:t>
+            </a:r>
+            <a:r>
+              <a:rPr lang="en-US" altLang="ko-KR" sz="1600" dirty="0" smtClean="0"/>
+              <a:t>.</a:t>
+            </a:r>
+          </a:p>
+          <a:p>
+            <a:pPr lvl="1"/>
             <a:r>
               <a:rPr lang="ko-KR" altLang="en-US" sz="1600" dirty="0" smtClean="0"/>
-              <a:t>원시 값들</a:t>
-            </a:r>
-            <a:r>
-              <a:rPr lang="ko-KR" altLang="en-US" sz="1600" dirty="0" smtClean="0"/>
-              <a:t>이 메서드들을 </a:t>
-            </a:r>
-            <a:r>
-              <a:rPr lang="ko-KR" altLang="en-US" sz="1600" dirty="0" smtClean="0"/>
-              <a:t>같이 쓸 수 있다</a:t>
-            </a:r>
-            <a:r>
-              <a:rPr lang="en-US" altLang="ko-KR" sz="1600" dirty="0" smtClean="0"/>
-              <a:t>.</a:t>
-            </a:r>
-          </a:p>
-          <a:p>
-            <a:pPr lvl="1"/>
-            <a:r>
-              <a:rPr lang="ko-KR" altLang="en-US" sz="1600" dirty="0" smtClean="0"/>
-              <a:t>각 </a:t>
-            </a:r>
-            <a:r>
-              <a:rPr lang="ko-KR" altLang="en-US" sz="1600" dirty="0" smtClean="0"/>
-              <a:t>생성자의 프로토타입마다 자신의 타입에 적합한 기능이 구현되어 있다</a:t>
-            </a:r>
-            <a:r>
-              <a:rPr lang="en-US" altLang="ko-KR" sz="1600" dirty="0" smtClean="0"/>
-              <a:t>.</a:t>
-            </a:r>
-          </a:p>
-          <a:p>
-            <a:pPr lvl="1"/>
-            <a:r>
-              <a:rPr lang="ko-KR" altLang="en-US" sz="1600" dirty="0" smtClean="0"/>
-              <a:t>프로토타입으로 </a:t>
-            </a:r>
-            <a:r>
-              <a:rPr lang="ko-KR" altLang="en-US" sz="1600" dirty="0" smtClean="0"/>
-              <a:t>디폴트 값을 세팅하면 약간의 이점이 있을 수 </a:t>
-            </a:r>
-            <a:r>
-              <a:rPr lang="ko-KR" altLang="en-US" sz="1600" dirty="0" smtClean="0"/>
-              <a:t>있지만 어떤 </a:t>
-            </a:r>
-            <a:r>
-              <a:rPr lang="ko-KR" altLang="en-US" sz="1600" dirty="0" smtClean="0"/>
-              <a:t>식으로든 프로토타입을 변경하지 않도록 한다</a:t>
+              <a:t>프로토타입으로 디폴트 값을 세팅하면 약간의 이점이 있을 수 있지만 어떤 식으로든 프로토타입을 변경하지 않도록 한다</a:t>
             </a:r>
             <a:r>
               <a:rPr lang="en-US" altLang="ko-KR" sz="1600" dirty="0" smtClean="0"/>
@@ -4085,6 +4057,609 @@
     <p:extLst>
       <p:ext uri="{BB962C8B-B14F-4D97-AF65-F5344CB8AC3E}">
         <p14:creationId xmlns:p14="http://schemas.microsoft.com/office/powerpoint/2010/main" val="1238748958"/>
+      </p:ext>
+    </p:extLst>
+  </p:cSld>
+  <p:clrMapOvr>
+    <a:masterClrMapping/>
+  </p:clrMapOvr>
+  <p:timing>
+    <p:tnLst>
+      <p:par>
+        <p:cTn id="1" dur="indefinite" restart="never" nodeType="tmRoot"/>
+      </p:par>
+    </p:tnLst>
+  </p:timing>
+</p:sld>
+</file>
+
+<file path=ppt/slides/slide13.xml><?xml version="1.0" encoding="utf-8"?>
+<p:sld xmlns:a="http://schemas.openxmlformats.org/drawingml/2006/main" xmlns:r="http://schemas.openxmlformats.org/officeDocument/2006/relationships" xmlns:p="http://schemas.openxmlformats.org/presentationml/2006/main">
+  <p:cSld>
+    <p:spTree>
+      <p:nvGrpSpPr>
+        <p:cNvPr id="1" name=""/>
+        <p:cNvGrpSpPr/>
+        <p:nvPr/>
+      </p:nvGrpSpPr>
+      <p:grpSpPr>
+        <a:xfrm>
+          <a:off x="0" y="0"/>
+          <a:ext cx="0" cy="0"/>
+          <a:chOff x="0" y="0"/>
+          <a:chExt cx="0" cy="0"/>
+        </a:xfrm>
+      </p:grpSpPr>
+      <p:sp>
+        <p:nvSpPr>
+          <p:cNvPr id="2" name="제목 1"/>
+          <p:cNvSpPr>
+            <a:spLocks noGrp="1"/>
+          </p:cNvSpPr>
+          <p:nvPr>
+            <p:ph type="title"/>
+          </p:nvPr>
+        </p:nvSpPr>
+        <p:spPr/>
+        <p:txBody>
+          <a:bodyPr/>
+          <a:lstStyle/>
+          <a:p>
+            <a:r>
+              <a:rPr lang="ko-KR" altLang="en-US" dirty="0" smtClean="0"/>
+              <a:t>요약</a:t>
+            </a:r>
+            <a:endParaRPr lang="ko-KR" altLang="en-US" dirty="0"/>
+          </a:p>
+        </p:txBody>
+      </p:sp>
+      <p:sp>
+        <p:nvSpPr>
+          <p:cNvPr id="3" name="내용 개체 틀 2"/>
+          <p:cNvSpPr>
+            <a:spLocks noGrp="1"/>
+          </p:cNvSpPr>
+          <p:nvPr>
+            <p:ph idx="1"/>
+          </p:nvPr>
+        </p:nvSpPr>
+        <p:spPr>
+          <a:xfrm>
+            <a:off x="838200" y="1843208"/>
+            <a:ext cx="10515600" cy="4390537"/>
+          </a:xfrm>
+        </p:spPr>
+        <p:txBody>
+          <a:bodyPr>
+            <a:normAutofit/>
+          </a:bodyPr>
+          <a:lstStyle/>
+          <a:p>
+            <a:r>
+              <a:rPr lang="ko-KR" altLang="en-US" sz="2000" dirty="0" smtClean="0"/>
+              <a:t>타입</a:t>
+            </a:r>
+            <a:endParaRPr lang="en-US" altLang="ko-KR" sz="2000" dirty="0" smtClean="0"/>
+          </a:p>
+          <a:p>
+            <a:pPr lvl="1"/>
+            <a:r>
+              <a:rPr lang="ko-KR" altLang="en-US" sz="1600" dirty="0" smtClean="0"/>
+              <a:t>자바스크립트에는 </a:t>
+            </a:r>
+            <a:r>
+              <a:rPr lang="en-US" altLang="ko-KR" sz="1600" dirty="0" smtClean="0"/>
+              <a:t>7</a:t>
+            </a:r>
+            <a:r>
+              <a:rPr lang="ko-KR" altLang="en-US" sz="1600" dirty="0" smtClean="0"/>
+              <a:t>가지 타입이 있다</a:t>
+            </a:r>
+            <a:r>
+              <a:rPr lang="en-US" altLang="ko-KR" sz="1600" dirty="0" smtClean="0"/>
+              <a:t>.</a:t>
+            </a:r>
+            <a:r>
+              <a:rPr lang="en-US" altLang="ko-KR" sz="1600" dirty="0"/>
+              <a:t>(</a:t>
+            </a:r>
+            <a:r>
+              <a:rPr lang="en-US" altLang="ko-KR" sz="1600" dirty="0" smtClean="0"/>
+              <a:t>null, undefined, Boolean, number, string, object, symbol)</a:t>
+            </a:r>
+          </a:p>
+          <a:p>
+            <a:pPr lvl="1"/>
+            <a:r>
+              <a:rPr lang="en-US" altLang="ko-KR" sz="1600" dirty="0" smtClean="0"/>
+              <a:t>undefined</a:t>
+            </a:r>
+            <a:r>
+              <a:rPr lang="ko-KR" altLang="en-US" sz="1600" dirty="0" smtClean="0"/>
+              <a:t>는 </a:t>
+            </a:r>
+            <a:r>
+              <a:rPr lang="ko-KR" altLang="en-US" sz="1600" dirty="0"/>
+              <a:t>변수가 선언되었으나 아무런 값도 할당되지 않은 </a:t>
+            </a:r>
+            <a:r>
+              <a:rPr lang="ko-KR" altLang="en-US" sz="1600" dirty="0" smtClean="0"/>
+              <a:t>상태이며</a:t>
+            </a:r>
+            <a:r>
+              <a:rPr lang="en-US" altLang="ko-KR" sz="1600" dirty="0" smtClean="0"/>
+              <a:t>, undeclared</a:t>
+            </a:r>
+            <a:r>
+              <a:rPr lang="en-US" altLang="ko-KR" sz="1600" dirty="0"/>
+              <a:t>:</a:t>
+            </a:r>
+            <a:r>
+              <a:rPr lang="ko-KR" altLang="en-US" sz="1600" dirty="0"/>
+              <a:t> 변수 자체가 선언조차 되지 않은 </a:t>
+            </a:r>
+            <a:r>
+              <a:rPr lang="ko-KR" altLang="en-US" sz="1600" dirty="0" smtClean="0"/>
+              <a:t>상태이다</a:t>
+            </a:r>
+            <a:r>
+              <a:rPr lang="en-US" altLang="ko-KR" sz="1600" dirty="0" smtClean="0"/>
+              <a:t>.</a:t>
+            </a:r>
+            <a:endParaRPr lang="ko-KR" altLang="en-US" sz="1600" dirty="0"/>
+          </a:p>
+          <a:p>
+            <a:r>
+              <a:rPr lang="ko-KR" altLang="en-US" sz="2000" dirty="0" smtClean="0"/>
+              <a:t>값</a:t>
+            </a:r>
+            <a:endParaRPr lang="en-US" altLang="ko-KR" sz="2000" dirty="0" smtClean="0"/>
+          </a:p>
+          <a:p>
+            <a:pPr lvl="1"/>
+            <a:r>
+              <a:rPr lang="ko-KR" altLang="en-US" sz="1600" dirty="0"/>
+              <a:t>배열은 모든 타입의 값들을 숫자로 인덱싱한 </a:t>
+            </a:r>
+            <a:r>
+              <a:rPr lang="ko-KR" altLang="en-US" sz="1600" dirty="0" smtClean="0"/>
+              <a:t>집합이다</a:t>
+            </a:r>
+            <a:r>
+              <a:rPr lang="en-US" altLang="ko-KR" sz="1600" dirty="0" smtClean="0"/>
+              <a:t>.</a:t>
+            </a:r>
+            <a:endParaRPr lang="ko-KR" altLang="en-US" sz="1600" dirty="0"/>
+          </a:p>
+          <a:p>
+            <a:pPr lvl="1"/>
+            <a:r>
+              <a:rPr lang="ko-KR" altLang="en-US" sz="1600" dirty="0"/>
+              <a:t>문자열은 유사 </a:t>
+            </a:r>
+            <a:r>
+              <a:rPr lang="ko-KR" altLang="en-US" sz="1600" dirty="0" smtClean="0"/>
+              <a:t>배열이다</a:t>
+            </a:r>
+            <a:r>
+              <a:rPr lang="en-US" altLang="ko-KR" sz="1600" dirty="0" smtClean="0"/>
+              <a:t>.</a:t>
+            </a:r>
+            <a:endParaRPr lang="ko-KR" altLang="en-US" sz="1600" dirty="0"/>
+          </a:p>
+          <a:p>
+            <a:pPr lvl="1"/>
+            <a:r>
+              <a:rPr lang="ko-KR" altLang="en-US" sz="1600" dirty="0"/>
+              <a:t>자바스크립트에서 숫자는 정수와 부동 소수점 숫자 모두 </a:t>
+            </a:r>
+            <a:r>
+              <a:rPr lang="ko-KR" altLang="en-US" sz="1600" dirty="0" smtClean="0"/>
+              <a:t>포함한다</a:t>
+            </a:r>
+            <a:r>
+              <a:rPr lang="en-US" altLang="ko-KR" sz="1600" dirty="0" smtClean="0"/>
+              <a:t>.</a:t>
+            </a:r>
+            <a:endParaRPr lang="ko-KR" altLang="en-US" sz="1600" dirty="0"/>
+          </a:p>
+          <a:p>
+            <a:pPr lvl="1"/>
+            <a:r>
+              <a:rPr lang="en-US" altLang="ko-KR" sz="1600" dirty="0"/>
+              <a:t>null </a:t>
+            </a:r>
+            <a:r>
+              <a:rPr lang="ko-KR" altLang="en-US" sz="1600" dirty="0"/>
+              <a:t>타입은 </a:t>
+            </a:r>
+            <a:r>
+              <a:rPr lang="en-US" altLang="ko-KR" sz="1600" dirty="0"/>
+              <a:t>null </a:t>
+            </a:r>
+            <a:r>
+              <a:rPr lang="ko-KR" altLang="en-US" sz="1600" dirty="0"/>
+              <a:t>값</a:t>
+            </a:r>
+            <a:r>
+              <a:rPr lang="en-US" altLang="ko-KR" sz="1600" dirty="0"/>
+              <a:t>, undefined </a:t>
+            </a:r>
+            <a:r>
+              <a:rPr lang="ko-KR" altLang="en-US" sz="1600" dirty="0"/>
+              <a:t>타입은 </a:t>
+            </a:r>
+            <a:r>
+              <a:rPr lang="en-US" altLang="ko-KR" sz="1600" dirty="0"/>
+              <a:t>undefined </a:t>
+            </a:r>
+            <a:r>
+              <a:rPr lang="ko-KR" altLang="en-US" sz="1600" dirty="0"/>
+              <a:t>값 하나만 </a:t>
+            </a:r>
+            <a:r>
+              <a:rPr lang="ko-KR" altLang="en-US" sz="1600" dirty="0" smtClean="0"/>
+              <a:t>있다</a:t>
+            </a:r>
+            <a:r>
+              <a:rPr lang="en-US" altLang="ko-KR" sz="1600" dirty="0" smtClean="0"/>
+              <a:t>.</a:t>
+            </a:r>
+            <a:endParaRPr lang="ko-KR" altLang="en-US" sz="1600" dirty="0"/>
+          </a:p>
+          <a:p>
+            <a:pPr lvl="1"/>
+            <a:r>
+              <a:rPr lang="en-US" altLang="ko-KR" sz="1600" dirty="0"/>
+              <a:t>undefined</a:t>
+            </a:r>
+            <a:r>
+              <a:rPr lang="ko-KR" altLang="en-US" sz="1600" dirty="0"/>
+              <a:t>는 할당된 값이 없다면 모든 변수</a:t>
+            </a:r>
+            <a:r>
+              <a:rPr lang="en-US" altLang="ko-KR" sz="1600" dirty="0"/>
+              <a:t>/</a:t>
+            </a:r>
+            <a:r>
+              <a:rPr lang="ko-KR" altLang="en-US" sz="1600" dirty="0" err="1"/>
+              <a:t>프로퍼티의</a:t>
+            </a:r>
+            <a:r>
+              <a:rPr lang="ko-KR" altLang="en-US" sz="1600" dirty="0"/>
+              <a:t> 디폴트 </a:t>
+            </a:r>
+            <a:r>
+              <a:rPr lang="ko-KR" altLang="en-US" sz="1600" dirty="0" smtClean="0"/>
+              <a:t>값이다</a:t>
+            </a:r>
+            <a:r>
+              <a:rPr lang="en-US" altLang="ko-KR" sz="1600" dirty="0" smtClean="0"/>
+              <a:t>.</a:t>
+            </a:r>
+            <a:endParaRPr lang="ko-KR" altLang="en-US" sz="1600" dirty="0"/>
+          </a:p>
+          <a:p>
+            <a:pPr lvl="1"/>
+            <a:r>
+              <a:rPr lang="en-US" altLang="ko-KR" sz="1600" dirty="0"/>
+              <a:t>void</a:t>
+            </a:r>
+            <a:r>
+              <a:rPr lang="ko-KR" altLang="en-US" sz="1600" dirty="0"/>
+              <a:t>는 어떤 값이라도 </a:t>
+            </a:r>
+            <a:r>
+              <a:rPr lang="en-US" altLang="ko-KR" sz="1600" dirty="0"/>
+              <a:t>undefined</a:t>
+            </a:r>
+            <a:r>
+              <a:rPr lang="ko-KR" altLang="en-US" sz="1600" dirty="0"/>
+              <a:t>로 </a:t>
+            </a:r>
+            <a:r>
+              <a:rPr lang="ko-KR" altLang="en-US" sz="1600" dirty="0" smtClean="0"/>
+              <a:t>만든다</a:t>
+            </a:r>
+            <a:r>
+              <a:rPr lang="en-US" altLang="ko-KR" sz="1600" dirty="0" smtClean="0"/>
+              <a:t>.</a:t>
+            </a:r>
+            <a:endParaRPr lang="ko-KR" altLang="en-US" sz="1600" dirty="0"/>
+          </a:p>
+          <a:p>
+            <a:pPr lvl="1"/>
+            <a:r>
+              <a:rPr lang="ko-KR" altLang="en-US" sz="1600" dirty="0"/>
+              <a:t>숫자의 특수 값</a:t>
+            </a:r>
+          </a:p>
+          <a:p>
+            <a:pPr lvl="2"/>
+            <a:r>
+              <a:rPr lang="en-US" altLang="ko-KR" sz="1600" dirty="0" err="1" smtClean="0"/>
+              <a:t>NaN</a:t>
+            </a:r>
+            <a:r>
+              <a:rPr lang="en-US" altLang="ko-KR" sz="1600" dirty="0" smtClean="0"/>
+              <a:t>, ±Infinity, ±0</a:t>
+            </a:r>
+            <a:endParaRPr lang="en-US" altLang="ko-KR" sz="1600" dirty="0"/>
+          </a:p>
+          <a:p>
+            <a:pPr lvl="1"/>
+            <a:r>
+              <a:rPr lang="ko-KR" altLang="en-US" sz="1600" dirty="0"/>
+              <a:t>단순 스칼라 원시 값은 값</a:t>
+            </a:r>
+            <a:r>
+              <a:rPr lang="en-US" altLang="ko-KR" sz="1600" dirty="0"/>
+              <a:t>-</a:t>
+            </a:r>
+            <a:r>
+              <a:rPr lang="ko-KR" altLang="en-US" sz="1600" dirty="0"/>
+              <a:t>복사에 의해</a:t>
+            </a:r>
+            <a:r>
+              <a:rPr lang="en-US" altLang="ko-KR" sz="1600" dirty="0"/>
+              <a:t>, </a:t>
+            </a:r>
+            <a:r>
+              <a:rPr lang="ko-KR" altLang="en-US" sz="1600" dirty="0"/>
+              <a:t>합성 값은 레퍼런스</a:t>
+            </a:r>
+            <a:r>
+              <a:rPr lang="en-US" altLang="ko-KR" sz="1600" dirty="0"/>
+              <a:t>-</a:t>
+            </a:r>
+            <a:r>
+              <a:rPr lang="ko-KR" altLang="en-US" sz="1600" dirty="0"/>
+              <a:t>복사에 의해 값이 할당</a:t>
+            </a:r>
+            <a:r>
+              <a:rPr lang="en-US" altLang="ko-KR" sz="1600" dirty="0"/>
+              <a:t>/</a:t>
+            </a:r>
+            <a:r>
+              <a:rPr lang="ko-KR" altLang="en-US" sz="1600" dirty="0" smtClean="0"/>
+              <a:t>전달된다</a:t>
+            </a:r>
+            <a:r>
+              <a:rPr lang="en-US" altLang="ko-KR" sz="1600" dirty="0" smtClean="0"/>
+              <a:t>.</a:t>
+            </a:r>
+            <a:endParaRPr lang="ko-KR" altLang="en-US" sz="1600" dirty="0"/>
+          </a:p>
+          <a:p>
+            <a:pPr lvl="1"/>
+            <a:endParaRPr lang="en-US" altLang="ko-KR" sz="1900" dirty="0" smtClean="0"/>
+          </a:p>
+        </p:txBody>
+      </p:sp>
+    </p:spTree>
+    <p:extLst>
+      <p:ext uri="{BB962C8B-B14F-4D97-AF65-F5344CB8AC3E}">
+        <p14:creationId xmlns:p14="http://schemas.microsoft.com/office/powerpoint/2010/main" val="1998261271"/>
+      </p:ext>
+    </p:extLst>
+  </p:cSld>
+  <p:clrMapOvr>
+    <a:masterClrMapping/>
+  </p:clrMapOvr>
+  <p:timing>
+    <p:tnLst>
+      <p:par>
+        <p:cTn id="1" dur="indefinite" restart="never" nodeType="tmRoot"/>
+      </p:par>
+    </p:tnLst>
+  </p:timing>
+</p:sld>
+</file>
+
+<file path=ppt/slides/slide14.xml><?xml version="1.0" encoding="utf-8"?>
+<p:sld xmlns:a="http://schemas.openxmlformats.org/drawingml/2006/main" xmlns:r="http://schemas.openxmlformats.org/officeDocument/2006/relationships" xmlns:p="http://schemas.openxmlformats.org/presentationml/2006/main">
+  <p:cSld>
+    <p:spTree>
+      <p:nvGrpSpPr>
+        <p:cNvPr id="1" name=""/>
+        <p:cNvGrpSpPr/>
+        <p:nvPr/>
+      </p:nvGrpSpPr>
+      <p:grpSpPr>
+        <a:xfrm>
+          <a:off x="0" y="0"/>
+          <a:ext cx="0" cy="0"/>
+          <a:chOff x="0" y="0"/>
+          <a:chExt cx="0" cy="0"/>
+        </a:xfrm>
+      </p:grpSpPr>
+      <p:sp>
+        <p:nvSpPr>
+          <p:cNvPr id="2" name="제목 1"/>
+          <p:cNvSpPr>
+            <a:spLocks noGrp="1"/>
+          </p:cNvSpPr>
+          <p:nvPr>
+            <p:ph type="title"/>
+          </p:nvPr>
+        </p:nvSpPr>
+        <p:spPr/>
+        <p:txBody>
+          <a:bodyPr/>
+          <a:lstStyle/>
+          <a:p>
+            <a:r>
+              <a:rPr lang="ko-KR" altLang="en-US" dirty="0" smtClean="0"/>
+              <a:t>요약</a:t>
+            </a:r>
+            <a:endParaRPr lang="ko-KR" altLang="en-US" dirty="0"/>
+          </a:p>
+        </p:txBody>
+      </p:sp>
+      <p:sp>
+        <p:nvSpPr>
+          <p:cNvPr id="3" name="내용 개체 틀 2"/>
+          <p:cNvSpPr>
+            <a:spLocks noGrp="1"/>
+          </p:cNvSpPr>
+          <p:nvPr>
+            <p:ph idx="1"/>
+          </p:nvPr>
+        </p:nvSpPr>
+        <p:spPr>
+          <a:xfrm>
+            <a:off x="838200" y="1843208"/>
+            <a:ext cx="10515600" cy="4390537"/>
+          </a:xfrm>
+        </p:spPr>
+        <p:txBody>
+          <a:bodyPr>
+            <a:normAutofit/>
+          </a:bodyPr>
+          <a:lstStyle/>
+          <a:p>
+            <a:r>
+              <a:rPr lang="ko-KR" altLang="en-US" sz="2000" dirty="0" err="1" smtClean="0"/>
+              <a:t>네이티브</a:t>
+            </a:r>
+            <a:endParaRPr lang="en-US" altLang="ko-KR" sz="1600" dirty="0" smtClean="0"/>
+          </a:p>
+          <a:p>
+            <a:pPr lvl="1"/>
+            <a:r>
+              <a:rPr lang="ko-KR" altLang="en-US" sz="1600" dirty="0" smtClean="0"/>
+              <a:t>자바스크립트는 </a:t>
+            </a:r>
+            <a:r>
+              <a:rPr lang="ko-KR" altLang="en-US" sz="1600" dirty="0"/>
+              <a:t>원시 값을 감싸는 객체 래퍼</a:t>
+            </a:r>
+            <a:r>
+              <a:rPr lang="en-US" altLang="ko-KR" sz="1600" dirty="0"/>
+              <a:t>, </a:t>
+            </a:r>
+            <a:r>
+              <a:rPr lang="ko-KR" altLang="en-US" sz="1600" dirty="0" err="1"/>
+              <a:t>네이티브를</a:t>
+            </a:r>
+            <a:r>
+              <a:rPr lang="ko-KR" altLang="en-US" sz="1600" dirty="0"/>
+              <a:t> </a:t>
+            </a:r>
+            <a:r>
+              <a:rPr lang="ko-KR" altLang="en-US" sz="1600" dirty="0" smtClean="0"/>
+              <a:t>제공한다</a:t>
+            </a:r>
+            <a:r>
+              <a:rPr lang="en-US" altLang="ko-KR" sz="1600" dirty="0" smtClean="0"/>
+              <a:t>.</a:t>
+            </a:r>
+            <a:endParaRPr lang="ko-KR" altLang="en-US" sz="1600" dirty="0"/>
+          </a:p>
+          <a:p>
+            <a:pPr lvl="1"/>
+            <a:r>
+              <a:rPr lang="ko-KR" altLang="en-US" sz="1600" dirty="0" err="1"/>
+              <a:t>네이티브는</a:t>
+            </a:r>
+            <a:r>
+              <a:rPr lang="ko-KR" altLang="en-US" sz="1600" dirty="0"/>
+              <a:t> </a:t>
+            </a:r>
+            <a:r>
+              <a:rPr lang="en-US" altLang="ko-KR" sz="1600" dirty="0"/>
+              <a:t>ECMAScript </a:t>
+            </a:r>
+            <a:r>
+              <a:rPr lang="ko-KR" altLang="en-US" sz="1600" dirty="0"/>
+              <a:t>명세의 내장 객체를 말한다</a:t>
+            </a:r>
+            <a:r>
+              <a:rPr lang="en-US" altLang="ko-KR" sz="1600" dirty="0" smtClean="0"/>
+              <a:t>.</a:t>
+            </a:r>
+          </a:p>
+          <a:p>
+            <a:pPr lvl="1"/>
+            <a:r>
+              <a:rPr lang="ko-KR" altLang="en-US" sz="1600" dirty="0" err="1" smtClean="0"/>
+              <a:t>네이티브는</a:t>
+            </a:r>
+            <a:r>
+              <a:rPr lang="ko-KR" altLang="en-US" sz="1600" dirty="0" smtClean="0"/>
+              <a:t> </a:t>
+            </a:r>
+            <a:r>
+              <a:rPr lang="ko-KR" altLang="en-US" sz="1600" dirty="0" err="1" smtClean="0"/>
+              <a:t>생성자로</a:t>
+            </a:r>
+            <a:r>
+              <a:rPr lang="ko-KR" altLang="en-US" sz="1600" dirty="0" smtClean="0"/>
+              <a:t> 사용할 수 있으나 원치 않은 에러가 발생할 수 있으므로 사용하지 않는 것이 좋다</a:t>
+            </a:r>
+            <a:r>
+              <a:rPr lang="en-US" altLang="ko-KR" sz="1600" dirty="0" smtClean="0"/>
+              <a:t>.</a:t>
+            </a:r>
+          </a:p>
+          <a:p>
+            <a:pPr lvl="1"/>
+            <a:r>
+              <a:rPr lang="ko-KR" altLang="en-US" sz="1600" dirty="0" smtClean="0"/>
+              <a:t>객체 </a:t>
+            </a:r>
+            <a:r>
+              <a:rPr lang="ko-KR" altLang="en-US" sz="1600" dirty="0"/>
+              <a:t>래퍼는 </a:t>
+            </a:r>
+            <a:r>
+              <a:rPr lang="ko-KR" altLang="en-US" sz="1600" dirty="0" err="1"/>
+              <a:t>타입별로</a:t>
+            </a:r>
+            <a:r>
+              <a:rPr lang="ko-KR" altLang="en-US" sz="1600" dirty="0"/>
+              <a:t> 쓸 만한 기능이 구현되어 </a:t>
+            </a:r>
+            <a:r>
+              <a:rPr lang="ko-KR" altLang="en-US" sz="1600" dirty="0" smtClean="0"/>
+              <a:t>있다</a:t>
+            </a:r>
+            <a:r>
+              <a:rPr lang="en-US" altLang="ko-KR" sz="1600" dirty="0" smtClean="0"/>
+              <a:t>.</a:t>
+            </a:r>
+            <a:endParaRPr lang="ko-KR" altLang="en-US" sz="1600" dirty="0"/>
+          </a:p>
+          <a:p>
+            <a:pPr lvl="1"/>
+            <a:r>
+              <a:rPr lang="ko-KR" altLang="en-US" sz="1600" dirty="0"/>
+              <a:t>단순 스칼라 원시 값이 있을 때</a:t>
+            </a:r>
+            <a:r>
+              <a:rPr lang="en-US" altLang="ko-KR" sz="1600" dirty="0"/>
+              <a:t>, </a:t>
+            </a:r>
+            <a:r>
+              <a:rPr lang="ko-KR" altLang="en-US" sz="1600" dirty="0"/>
+              <a:t>자바스크립트는 자동으로 원시 값을 </a:t>
+            </a:r>
+            <a:r>
+              <a:rPr lang="ko-KR" altLang="en-US" sz="1600" dirty="0" err="1" smtClean="0"/>
+              <a:t>박싱한다</a:t>
+            </a:r>
+            <a:r>
+              <a:rPr lang="en-US" altLang="ko-KR" sz="1600" dirty="0" smtClean="0"/>
+              <a:t>.</a:t>
+            </a:r>
+            <a:endParaRPr lang="en-US" altLang="ko-KR" sz="1600" dirty="0"/>
+          </a:p>
+        </p:txBody>
+      </p:sp>
+    </p:spTree>
+    <p:extLst>
+      <p:ext uri="{BB962C8B-B14F-4D97-AF65-F5344CB8AC3E}">
+        <p14:creationId xmlns:p14="http://schemas.microsoft.com/office/powerpoint/2010/main" val="3524167175"/>
       </p:ext>
     </p:extLst>
   </p:cSld>

--- a/javascript/1주차 자료/1주차.pptx
+++ b/javascript/1주차 자료/1주차.pptx
@@ -278,7 +278,7 @@
           <a:p>
             <a:fld id="{85418FE3-18A8-41B3-993C-7D5C860FC228}" type="datetimeFigureOut">
               <a:rPr lang="ko-KR" altLang="en-US" smtClean="0"/>
-              <a:t>2021-01-30</a:t>
+              <a:t>2021-02-09</a:t>
             </a:fld>
             <a:endParaRPr lang="ko-KR" altLang="en-US"/>
           </a:p>
@@ -448,7 +448,7 @@
           <a:p>
             <a:fld id="{85418FE3-18A8-41B3-993C-7D5C860FC228}" type="datetimeFigureOut">
               <a:rPr lang="ko-KR" altLang="en-US" smtClean="0"/>
-              <a:t>2021-01-30</a:t>
+              <a:t>2021-02-09</a:t>
             </a:fld>
             <a:endParaRPr lang="ko-KR" altLang="en-US"/>
           </a:p>
@@ -628,7 +628,7 @@
           <a:p>
             <a:fld id="{85418FE3-18A8-41B3-993C-7D5C860FC228}" type="datetimeFigureOut">
               <a:rPr lang="ko-KR" altLang="en-US" smtClean="0"/>
-              <a:t>2021-01-30</a:t>
+              <a:t>2021-02-09</a:t>
             </a:fld>
             <a:endParaRPr lang="ko-KR" altLang="en-US"/>
           </a:p>
@@ -798,7 +798,7 @@
           <a:p>
             <a:fld id="{85418FE3-18A8-41B3-993C-7D5C860FC228}" type="datetimeFigureOut">
               <a:rPr lang="ko-KR" altLang="en-US" smtClean="0"/>
-              <a:t>2021-01-30</a:t>
+              <a:t>2021-02-09</a:t>
             </a:fld>
             <a:endParaRPr lang="ko-KR" altLang="en-US"/>
           </a:p>
@@ -1044,7 +1044,7 @@
           <a:p>
             <a:fld id="{85418FE3-18A8-41B3-993C-7D5C860FC228}" type="datetimeFigureOut">
               <a:rPr lang="ko-KR" altLang="en-US" smtClean="0"/>
-              <a:t>2021-01-30</a:t>
+              <a:t>2021-02-09</a:t>
             </a:fld>
             <a:endParaRPr lang="ko-KR" altLang="en-US"/>
           </a:p>
@@ -1276,7 +1276,7 @@
           <a:p>
             <a:fld id="{85418FE3-18A8-41B3-993C-7D5C860FC228}" type="datetimeFigureOut">
               <a:rPr lang="ko-KR" altLang="en-US" smtClean="0"/>
-              <a:t>2021-01-30</a:t>
+              <a:t>2021-02-09</a:t>
             </a:fld>
             <a:endParaRPr lang="ko-KR" altLang="en-US"/>
           </a:p>
@@ -1643,7 +1643,7 @@
           <a:p>
             <a:fld id="{85418FE3-18A8-41B3-993C-7D5C860FC228}" type="datetimeFigureOut">
               <a:rPr lang="ko-KR" altLang="en-US" smtClean="0"/>
-              <a:t>2021-01-30</a:t>
+              <a:t>2021-02-09</a:t>
             </a:fld>
             <a:endParaRPr lang="ko-KR" altLang="en-US"/>
           </a:p>
@@ -1761,7 +1761,7 @@
           <a:p>
             <a:fld id="{85418FE3-18A8-41B3-993C-7D5C860FC228}" type="datetimeFigureOut">
               <a:rPr lang="ko-KR" altLang="en-US" smtClean="0"/>
-              <a:t>2021-01-30</a:t>
+              <a:t>2021-02-09</a:t>
             </a:fld>
             <a:endParaRPr lang="ko-KR" altLang="en-US"/>
           </a:p>
@@ -1856,7 +1856,7 @@
           <a:p>
             <a:fld id="{85418FE3-18A8-41B3-993C-7D5C860FC228}" type="datetimeFigureOut">
               <a:rPr lang="ko-KR" altLang="en-US" smtClean="0"/>
-              <a:t>2021-01-30</a:t>
+              <a:t>2021-02-09</a:t>
             </a:fld>
             <a:endParaRPr lang="ko-KR" altLang="en-US"/>
           </a:p>
@@ -2133,7 +2133,7 @@
           <a:p>
             <a:fld id="{85418FE3-18A8-41B3-993C-7D5C860FC228}" type="datetimeFigureOut">
               <a:rPr lang="ko-KR" altLang="en-US" smtClean="0"/>
-              <a:t>2021-01-30</a:t>
+              <a:t>2021-02-09</a:t>
             </a:fld>
             <a:endParaRPr lang="ko-KR" altLang="en-US"/>
           </a:p>
@@ -2386,7 +2386,7 @@
           <a:p>
             <a:fld id="{85418FE3-18A8-41B3-993C-7D5C860FC228}" type="datetimeFigureOut">
               <a:rPr lang="ko-KR" altLang="en-US" smtClean="0"/>
-              <a:t>2021-01-30</a:t>
+              <a:t>2021-02-09</a:t>
             </a:fld>
             <a:endParaRPr lang="ko-KR" altLang="en-US"/>
           </a:p>
@@ -2599,7 +2599,7 @@
           <a:p>
             <a:fld id="{85418FE3-18A8-41B3-993C-7D5C860FC228}" type="datetimeFigureOut">
               <a:rPr lang="ko-KR" altLang="en-US" smtClean="0"/>
-              <a:t>2021-01-30</a:t>
+              <a:t>2021-02-09</a:t>
             </a:fld>
             <a:endParaRPr lang="ko-KR" altLang="en-US"/>
           </a:p>
@@ -3075,6 +3075,37 @@
             </a:r>
             <a:endParaRPr lang="en-US" altLang="ko-KR" dirty="0" smtClean="0"/>
           </a:p>
+          <a:p>
+            <a:r>
+              <a:rPr lang="en-US" altLang="ko-KR" dirty="0" smtClean="0"/>
+              <a:t>Part1 – </a:t>
+            </a:r>
+            <a:r>
+              <a:rPr lang="ko-KR" altLang="en-US" dirty="0" smtClean="0"/>
+              <a:t>타입</a:t>
+            </a:r>
+            <a:r>
+              <a:rPr lang="en-US" altLang="ko-KR" dirty="0" smtClean="0"/>
+              <a:t>, </a:t>
+            </a:r>
+            <a:r>
+              <a:rPr lang="ko-KR" altLang="en-US" dirty="0" smtClean="0"/>
+              <a:t>값</a:t>
+            </a:r>
+            <a:r>
+              <a:rPr lang="en-US" altLang="ko-KR" dirty="0" smtClean="0"/>
+              <a:t>, </a:t>
+            </a:r>
+            <a:r>
+              <a:rPr lang="ko-KR" altLang="en-US" dirty="0" err="1" smtClean="0"/>
+              <a:t>네이티브</a:t>
+            </a:r>
+            <a:r>
+              <a:rPr lang="en-US" altLang="ko-KR" dirty="0" smtClean="0"/>
+              <a:t> </a:t>
+            </a:r>
+            <a:endParaRPr lang="en-US" altLang="ko-KR" dirty="0" smtClean="0"/>
+          </a:p>
         </p:txBody>
       </p:sp>
     </p:spTree>
